--- a/Licenta2019MarianAlexandruDaniel/Licenta EscapeRoom.pptx
+++ b/Licenta2019MarianAlexandruDaniel/Licenta EscapeRoom.pptx
@@ -29,6 +29,8 @@
     <p:sldId id="283" r:id="rId23"/>
     <p:sldId id="282" r:id="rId24"/>
     <p:sldId id="281" r:id="rId25"/>
+    <p:sldId id="289" r:id="rId26"/>
+    <p:sldId id="290" r:id="rId27"/>
   </p:sldIdLst>
   <p:sldSz cx="12192000" cy="6858000"/>
   <p:notesSz cx="6858000" cy="9144000"/>
@@ -266,7 +268,7 @@
           <a:p>
             <a:fld id="{2A31A20F-E915-45BC-B5C5-F72E6CF8BC00}" type="datetimeFigureOut">
               <a:rPr lang="en-US" smtClean="0"/>
-              <a:t>6/24/2019</a:t>
+              <a:t>7/4/2019</a:t>
             </a:fld>
             <a:endParaRPr lang="en-US"/>
           </a:p>
@@ -436,7 +438,7 @@
           <a:p>
             <a:fld id="{2A31A20F-E915-45BC-B5C5-F72E6CF8BC00}" type="datetimeFigureOut">
               <a:rPr lang="en-US" smtClean="0"/>
-              <a:t>6/24/2019</a:t>
+              <a:t>7/4/2019</a:t>
             </a:fld>
             <a:endParaRPr lang="en-US"/>
           </a:p>
@@ -616,7 +618,7 @@
           <a:p>
             <a:fld id="{2A31A20F-E915-45BC-B5C5-F72E6CF8BC00}" type="datetimeFigureOut">
               <a:rPr lang="en-US" smtClean="0"/>
-              <a:t>6/24/2019</a:t>
+              <a:t>7/4/2019</a:t>
             </a:fld>
             <a:endParaRPr lang="en-US"/>
           </a:p>
@@ -786,7 +788,7 @@
           <a:p>
             <a:fld id="{2A31A20F-E915-45BC-B5C5-F72E6CF8BC00}" type="datetimeFigureOut">
               <a:rPr lang="en-US" smtClean="0"/>
-              <a:t>6/24/2019</a:t>
+              <a:t>7/4/2019</a:t>
             </a:fld>
             <a:endParaRPr lang="en-US"/>
           </a:p>
@@ -1032,7 +1034,7 @@
           <a:p>
             <a:fld id="{2A31A20F-E915-45BC-B5C5-F72E6CF8BC00}" type="datetimeFigureOut">
               <a:rPr lang="en-US" smtClean="0"/>
-              <a:t>6/24/2019</a:t>
+              <a:t>7/4/2019</a:t>
             </a:fld>
             <a:endParaRPr lang="en-US"/>
           </a:p>
@@ -1264,7 +1266,7 @@
           <a:p>
             <a:fld id="{2A31A20F-E915-45BC-B5C5-F72E6CF8BC00}" type="datetimeFigureOut">
               <a:rPr lang="en-US" smtClean="0"/>
-              <a:t>6/24/2019</a:t>
+              <a:t>7/4/2019</a:t>
             </a:fld>
             <a:endParaRPr lang="en-US"/>
           </a:p>
@@ -1631,7 +1633,7 @@
           <a:p>
             <a:fld id="{2A31A20F-E915-45BC-B5C5-F72E6CF8BC00}" type="datetimeFigureOut">
               <a:rPr lang="en-US" smtClean="0"/>
-              <a:t>6/24/2019</a:t>
+              <a:t>7/4/2019</a:t>
             </a:fld>
             <a:endParaRPr lang="en-US"/>
           </a:p>
@@ -1749,7 +1751,7 @@
           <a:p>
             <a:fld id="{2A31A20F-E915-45BC-B5C5-F72E6CF8BC00}" type="datetimeFigureOut">
               <a:rPr lang="en-US" smtClean="0"/>
-              <a:t>6/24/2019</a:t>
+              <a:t>7/4/2019</a:t>
             </a:fld>
             <a:endParaRPr lang="en-US"/>
           </a:p>
@@ -1844,7 +1846,7 @@
           <a:p>
             <a:fld id="{2A31A20F-E915-45BC-B5C5-F72E6CF8BC00}" type="datetimeFigureOut">
               <a:rPr lang="en-US" smtClean="0"/>
-              <a:t>6/24/2019</a:t>
+              <a:t>7/4/2019</a:t>
             </a:fld>
             <a:endParaRPr lang="en-US"/>
           </a:p>
@@ -2121,7 +2123,7 @@
           <a:p>
             <a:fld id="{2A31A20F-E915-45BC-B5C5-F72E6CF8BC00}" type="datetimeFigureOut">
               <a:rPr lang="en-US" smtClean="0"/>
-              <a:t>6/24/2019</a:t>
+              <a:t>7/4/2019</a:t>
             </a:fld>
             <a:endParaRPr lang="en-US"/>
           </a:p>
@@ -2374,7 +2376,7 @@
           <a:p>
             <a:fld id="{2A31A20F-E915-45BC-B5C5-F72E6CF8BC00}" type="datetimeFigureOut">
               <a:rPr lang="en-US" smtClean="0"/>
-              <a:t>6/24/2019</a:t>
+              <a:t>7/4/2019</a:t>
             </a:fld>
             <a:endParaRPr lang="en-US"/>
           </a:p>
@@ -2587,7 +2589,7 @@
           <a:p>
             <a:fld id="{2A31A20F-E915-45BC-B5C5-F72E6CF8BC00}" type="datetimeFigureOut">
               <a:rPr lang="en-US" smtClean="0"/>
-              <a:t>6/24/2019</a:t>
+              <a:t>7/4/2019</a:t>
             </a:fld>
             <a:endParaRPr lang="en-US"/>
           </a:p>
@@ -7272,6 +7274,414 @@
 </p:sld>
 </file>
 
+<file path=ppt/slides/slide25.xml><?xml version="1.0" encoding="utf-8"?>
+<p:sld xmlns:a="http://schemas.openxmlformats.org/drawingml/2006/main" xmlns:r="http://schemas.openxmlformats.org/officeDocument/2006/relationships" xmlns:p="http://schemas.openxmlformats.org/presentationml/2006/main">
+  <p:cSld>
+    <p:spTree>
+      <p:nvGrpSpPr>
+        <p:cNvPr id="1" name=""/>
+        <p:cNvGrpSpPr/>
+        <p:nvPr/>
+      </p:nvGrpSpPr>
+      <p:grpSpPr>
+        <a:xfrm>
+          <a:off x="0" y="0"/>
+          <a:ext cx="0" cy="0"/>
+          <a:chOff x="0" y="0"/>
+          <a:chExt cx="0" cy="0"/>
+        </a:xfrm>
+      </p:grpSpPr>
+      <p:sp>
+        <p:nvSpPr>
+          <p:cNvPr id="5" name="Rectangle 4"/>
+          <p:cNvSpPr/>
+          <p:nvPr/>
+        </p:nvSpPr>
+        <p:spPr>
+          <a:xfrm rot="477090">
+            <a:off x="-531732" y="4739928"/>
+            <a:ext cx="14267542" cy="1364343"/>
+          </a:xfrm>
+          <a:prstGeom prst="rect">
+            <a:avLst/>
+          </a:prstGeom>
+          <a:solidFill>
+            <a:srgbClr val="0079D4"/>
+          </a:solidFill>
+          <a:ln>
+            <a:noFill/>
+          </a:ln>
+        </p:spPr>
+        <p:style>
+          <a:lnRef idx="2">
+            <a:schemeClr val="accent1">
+              <a:shade val="50000"/>
+            </a:schemeClr>
+          </a:lnRef>
+          <a:fillRef idx="1">
+            <a:schemeClr val="accent1"/>
+          </a:fillRef>
+          <a:effectRef idx="0">
+            <a:schemeClr val="accent1"/>
+          </a:effectRef>
+          <a:fontRef idx="minor">
+            <a:schemeClr val="lt1"/>
+          </a:fontRef>
+        </p:style>
+        <p:txBody>
+          <a:bodyPr rtlCol="0" anchor="ctr"/>
+          <a:lstStyle/>
+          <a:p>
+            <a:pPr algn="ctr"/>
+            <a:endParaRPr lang="en-US"/>
+          </a:p>
+        </p:txBody>
+      </p:sp>
+      <p:sp>
+        <p:nvSpPr>
+          <p:cNvPr id="4" name="Rectangle 3"/>
+          <p:cNvSpPr/>
+          <p:nvPr/>
+        </p:nvSpPr>
+        <p:spPr>
+          <a:xfrm rot="21171193">
+            <a:off x="-554266" y="748222"/>
+            <a:ext cx="13338629" cy="965365"/>
+          </a:xfrm>
+          <a:prstGeom prst="rect">
+            <a:avLst/>
+          </a:prstGeom>
+          <a:solidFill>
+            <a:srgbClr val="005180"/>
+          </a:solidFill>
+          <a:ln>
+            <a:noFill/>
+          </a:ln>
+        </p:spPr>
+        <p:style>
+          <a:lnRef idx="2">
+            <a:schemeClr val="accent1">
+              <a:shade val="50000"/>
+            </a:schemeClr>
+          </a:lnRef>
+          <a:fillRef idx="1">
+            <a:schemeClr val="accent1"/>
+          </a:fillRef>
+          <a:effectRef idx="0">
+            <a:schemeClr val="accent1"/>
+          </a:effectRef>
+          <a:fontRef idx="minor">
+            <a:schemeClr val="lt1"/>
+          </a:fontRef>
+        </p:style>
+        <p:txBody>
+          <a:bodyPr rtlCol="0" anchor="ctr"/>
+          <a:lstStyle/>
+          <a:p>
+            <a:pPr algn="ctr"/>
+            <a:endParaRPr lang="en-US"/>
+          </a:p>
+        </p:txBody>
+      </p:sp>
+      <p:sp>
+        <p:nvSpPr>
+          <p:cNvPr id="7" name="TextBox 6"/>
+          <p:cNvSpPr txBox="1"/>
+          <p:nvPr/>
+        </p:nvSpPr>
+        <p:spPr>
+          <a:xfrm>
+            <a:off x="0" y="2604034"/>
+            <a:ext cx="12192000" cy="1323439"/>
+          </a:xfrm>
+          <a:prstGeom prst="rect">
+            <a:avLst/>
+          </a:prstGeom>
+          <a:noFill/>
+        </p:spPr>
+        <p:txBody>
+          <a:bodyPr wrap="square" rtlCol="0">
+            <a:spAutoFit/>
+          </a:bodyPr>
+          <a:lstStyle/>
+          <a:p>
+            <a:pPr algn="ctr"/>
+            <a:r>
+              <a:rPr lang="ro-RO" sz="8000" dirty="0" smtClean="0">
+                <a:latin typeface="+mj-lt"/>
+              </a:rPr>
+              <a:t>Î</a:t>
+            </a:r>
+            <a:r>
+              <a:rPr lang="en-US" sz="8000" dirty="0" smtClean="0">
+                <a:latin typeface="+mj-lt"/>
+              </a:rPr>
+              <a:t>NTREB</a:t>
+            </a:r>
+            <a:r>
+              <a:rPr lang="ro-RO" sz="8000" dirty="0" smtClean="0">
+                <a:latin typeface="+mj-lt"/>
+              </a:rPr>
+              <a:t>Ă</a:t>
+            </a:r>
+            <a:r>
+              <a:rPr lang="en-US" sz="8000" dirty="0" smtClean="0">
+                <a:latin typeface="+mj-lt"/>
+              </a:rPr>
+              <a:t>RI ?</a:t>
+            </a:r>
+            <a:endParaRPr lang="en-US" sz="6600" dirty="0" smtClean="0">
+              <a:latin typeface="+mj-lt"/>
+            </a:endParaRPr>
+          </a:p>
+        </p:txBody>
+      </p:sp>
+      <p:sp>
+        <p:nvSpPr>
+          <p:cNvPr id="6" name="TextBox 5"/>
+          <p:cNvSpPr txBox="1"/>
+          <p:nvPr/>
+        </p:nvSpPr>
+        <p:spPr>
+          <a:xfrm>
+            <a:off x="1" y="6304003"/>
+            <a:ext cx="12192000" cy="461665"/>
+          </a:xfrm>
+          <a:prstGeom prst="rect">
+            <a:avLst/>
+          </a:prstGeom>
+          <a:noFill/>
+        </p:spPr>
+        <p:txBody>
+          <a:bodyPr wrap="square" rtlCol="0">
+            <a:spAutoFit/>
+          </a:bodyPr>
+          <a:lstStyle/>
+          <a:p>
+            <a:pPr algn="ctr"/>
+            <a:r>
+              <a:rPr lang="ro-RO" sz="2400" dirty="0" smtClean="0"/>
+              <a:t>5</a:t>
+            </a:r>
+            <a:endParaRPr lang="en-US" sz="2400" dirty="0"/>
+          </a:p>
+        </p:txBody>
+      </p:sp>
+    </p:spTree>
+    <p:extLst>
+      <p:ext uri="{BB962C8B-B14F-4D97-AF65-F5344CB8AC3E}">
+        <p14:creationId xmlns:p14="http://schemas.microsoft.com/office/powerpoint/2010/main" val="937765379"/>
+      </p:ext>
+    </p:extLst>
+  </p:cSld>
+  <p:clrMapOvr>
+    <a:masterClrMapping/>
+  </p:clrMapOvr>
+  <p:timing>
+    <p:tnLst>
+      <p:par>
+        <p:cTn id="1" dur="indefinite" restart="never" nodeType="tmRoot"/>
+      </p:par>
+    </p:tnLst>
+  </p:timing>
+</p:sld>
+</file>
+
+<file path=ppt/slides/slide26.xml><?xml version="1.0" encoding="utf-8"?>
+<p:sld xmlns:a="http://schemas.openxmlformats.org/drawingml/2006/main" xmlns:r="http://schemas.openxmlformats.org/officeDocument/2006/relationships" xmlns:p="http://schemas.openxmlformats.org/presentationml/2006/main">
+  <p:cSld>
+    <p:spTree>
+      <p:nvGrpSpPr>
+        <p:cNvPr id="1" name=""/>
+        <p:cNvGrpSpPr/>
+        <p:nvPr/>
+      </p:nvGrpSpPr>
+      <p:grpSpPr>
+        <a:xfrm>
+          <a:off x="0" y="0"/>
+          <a:ext cx="0" cy="0"/>
+          <a:chOff x="0" y="0"/>
+          <a:chExt cx="0" cy="0"/>
+        </a:xfrm>
+      </p:grpSpPr>
+      <p:sp>
+        <p:nvSpPr>
+          <p:cNvPr id="5" name="Rectangle 4"/>
+          <p:cNvSpPr/>
+          <p:nvPr/>
+        </p:nvSpPr>
+        <p:spPr>
+          <a:xfrm rot="477090">
+            <a:off x="-531732" y="4739928"/>
+            <a:ext cx="14267542" cy="1364343"/>
+          </a:xfrm>
+          <a:prstGeom prst="rect">
+            <a:avLst/>
+          </a:prstGeom>
+          <a:solidFill>
+            <a:srgbClr val="0079D4"/>
+          </a:solidFill>
+          <a:ln>
+            <a:noFill/>
+          </a:ln>
+        </p:spPr>
+        <p:style>
+          <a:lnRef idx="2">
+            <a:schemeClr val="accent1">
+              <a:shade val="50000"/>
+            </a:schemeClr>
+          </a:lnRef>
+          <a:fillRef idx="1">
+            <a:schemeClr val="accent1"/>
+          </a:fillRef>
+          <a:effectRef idx="0">
+            <a:schemeClr val="accent1"/>
+          </a:effectRef>
+          <a:fontRef idx="minor">
+            <a:schemeClr val="lt1"/>
+          </a:fontRef>
+        </p:style>
+        <p:txBody>
+          <a:bodyPr rtlCol="0" anchor="ctr"/>
+          <a:lstStyle/>
+          <a:p>
+            <a:pPr algn="ctr"/>
+            <a:endParaRPr lang="en-US"/>
+          </a:p>
+        </p:txBody>
+      </p:sp>
+      <p:sp>
+        <p:nvSpPr>
+          <p:cNvPr id="4" name="Rectangle 3"/>
+          <p:cNvSpPr/>
+          <p:nvPr/>
+        </p:nvSpPr>
+        <p:spPr>
+          <a:xfrm rot="21171193">
+            <a:off x="-554266" y="748222"/>
+            <a:ext cx="13338629" cy="965365"/>
+          </a:xfrm>
+          <a:prstGeom prst="rect">
+            <a:avLst/>
+          </a:prstGeom>
+          <a:solidFill>
+            <a:srgbClr val="005180"/>
+          </a:solidFill>
+          <a:ln>
+            <a:noFill/>
+          </a:ln>
+        </p:spPr>
+        <p:style>
+          <a:lnRef idx="2">
+            <a:schemeClr val="accent1">
+              <a:shade val="50000"/>
+            </a:schemeClr>
+          </a:lnRef>
+          <a:fillRef idx="1">
+            <a:schemeClr val="accent1"/>
+          </a:fillRef>
+          <a:effectRef idx="0">
+            <a:schemeClr val="accent1"/>
+          </a:effectRef>
+          <a:fontRef idx="minor">
+            <a:schemeClr val="lt1"/>
+          </a:fontRef>
+        </p:style>
+        <p:txBody>
+          <a:bodyPr rtlCol="0" anchor="ctr"/>
+          <a:lstStyle/>
+          <a:p>
+            <a:pPr algn="ctr"/>
+            <a:endParaRPr lang="en-US"/>
+          </a:p>
+        </p:txBody>
+      </p:sp>
+      <p:sp>
+        <p:nvSpPr>
+          <p:cNvPr id="7" name="TextBox 6"/>
+          <p:cNvSpPr txBox="1"/>
+          <p:nvPr/>
+        </p:nvSpPr>
+        <p:spPr>
+          <a:xfrm>
+            <a:off x="0" y="2604034"/>
+            <a:ext cx="12192000" cy="1323439"/>
+          </a:xfrm>
+          <a:prstGeom prst="rect">
+            <a:avLst/>
+          </a:prstGeom>
+          <a:noFill/>
+        </p:spPr>
+        <p:txBody>
+          <a:bodyPr wrap="square" rtlCol="0">
+            <a:spAutoFit/>
+          </a:bodyPr>
+          <a:lstStyle/>
+          <a:p>
+            <a:pPr algn="ctr"/>
+            <a:r>
+              <a:rPr lang="ro-RO" sz="8000" dirty="0" smtClean="0">
+                <a:latin typeface="+mj-lt"/>
+              </a:rPr>
+              <a:t>MULȚUMESC</a:t>
+            </a:r>
+            <a:endParaRPr lang="en-US" sz="6600" dirty="0" smtClean="0">
+              <a:latin typeface="+mj-lt"/>
+            </a:endParaRPr>
+          </a:p>
+        </p:txBody>
+      </p:sp>
+      <p:sp>
+        <p:nvSpPr>
+          <p:cNvPr id="6" name="TextBox 5"/>
+          <p:cNvSpPr txBox="1"/>
+          <p:nvPr/>
+        </p:nvSpPr>
+        <p:spPr>
+          <a:xfrm>
+            <a:off x="1" y="6304003"/>
+            <a:ext cx="12192000" cy="461665"/>
+          </a:xfrm>
+          <a:prstGeom prst="rect">
+            <a:avLst/>
+          </a:prstGeom>
+          <a:noFill/>
+        </p:spPr>
+        <p:txBody>
+          <a:bodyPr wrap="square" rtlCol="0">
+            <a:spAutoFit/>
+          </a:bodyPr>
+          <a:lstStyle/>
+          <a:p>
+            <a:pPr algn="ctr"/>
+            <a:r>
+              <a:rPr lang="ro-RO" sz="2400" dirty="0" smtClean="0"/>
+              <a:t>5</a:t>
+            </a:r>
+            <a:endParaRPr lang="en-US" sz="2400" dirty="0"/>
+          </a:p>
+        </p:txBody>
+      </p:sp>
+    </p:spTree>
+    <p:extLst>
+      <p:ext uri="{BB962C8B-B14F-4D97-AF65-F5344CB8AC3E}">
+        <p14:creationId xmlns:p14="http://schemas.microsoft.com/office/powerpoint/2010/main" val="4040156049"/>
+      </p:ext>
+    </p:extLst>
+  </p:cSld>
+  <p:clrMapOvr>
+    <a:masterClrMapping/>
+  </p:clrMapOvr>
+  <p:timing>
+    <p:tnLst>
+      <p:par>
+        <p:cTn id="1" dur="indefinite" restart="never" nodeType="tmRoot"/>
+      </p:par>
+    </p:tnLst>
+  </p:timing>
+</p:sld>
+</file>
+
 <file path=ppt/slides/slide3.xml><?xml version="1.0" encoding="utf-8"?>
 <p:sld xmlns:a="http://schemas.openxmlformats.org/drawingml/2006/main" xmlns:r="http://schemas.openxmlformats.org/officeDocument/2006/relationships" xmlns:p="http://schemas.openxmlformats.org/presentationml/2006/main">
   <p:cSld>
@@ -7451,9 +7861,6 @@
               </a:rPr>
               <a:t>CONTRIBUȚII</a:t>
             </a:r>
-            <a:endParaRPr lang="ro-RO" sz="2400" dirty="0" smtClean="0">
-              <a:latin typeface="+mj-lt"/>
-            </a:endParaRPr>
           </a:p>
         </p:txBody>
       </p:sp>
@@ -7708,9 +8115,6 @@
               </a:rPr>
               <a:t>ARHITECTURA APLICAȚIEI</a:t>
             </a:r>
-            <a:endParaRPr lang="ro-RO" sz="2400" dirty="0" smtClean="0">
-              <a:latin typeface="+mj-lt"/>
-            </a:endParaRPr>
           </a:p>
         </p:txBody>
       </p:sp>
@@ -7965,9 +8369,6 @@
               </a:rPr>
               <a:t>ARHITECTURA APLICAȚIEI</a:t>
             </a:r>
-            <a:endParaRPr lang="ro-RO" sz="2400" dirty="0" smtClean="0">
-              <a:latin typeface="+mj-lt"/>
-            </a:endParaRPr>
           </a:p>
           <a:p>
             <a:pPr marL="342900" indent="-342900">
@@ -7989,9 +8390,6 @@
               </a:rPr>
               <a:t>DEMO</a:t>
             </a:r>
-            <a:endParaRPr lang="ro-RO" sz="2400" dirty="0" smtClean="0">
-              <a:latin typeface="+mj-lt"/>
-            </a:endParaRPr>
           </a:p>
         </p:txBody>
       </p:sp>
@@ -8246,9 +8644,6 @@
               </a:rPr>
               <a:t>ARHITECTURA APLICAȚIEI</a:t>
             </a:r>
-            <a:endParaRPr lang="ro-RO" sz="2400" dirty="0" smtClean="0">
-              <a:latin typeface="+mj-lt"/>
-            </a:endParaRPr>
           </a:p>
           <a:p>
             <a:pPr marL="342900" indent="-342900">
@@ -8291,9 +8686,6 @@
               </a:rPr>
               <a:t>CONCLUZIILE LUCRĂRII</a:t>
             </a:r>
-            <a:endParaRPr lang="ro-RO" sz="2400" dirty="0" smtClean="0">
-              <a:latin typeface="+mj-lt"/>
-            </a:endParaRPr>
           </a:p>
         </p:txBody>
       </p:sp>
